--- a/Documentation/final slideshow.pptx
+++ b/Documentation/final slideshow.pptx
@@ -3682,8 +3682,8 @@
         </p:blipFill>
         <p:spPr>
           <a:xfrm>
-            <a:off x="5257699" y="4192693"/>
-            <a:ext cx="3558055" cy="2665307"/>
+            <a:off x="5257699" y="4611922"/>
+            <a:ext cx="2998405" cy="2246078"/>
           </a:xfrm>
           <a:prstGeom prst="rect">
             <a:avLst/>

--- a/Documentation/final slideshow.pptx
+++ b/Documentation/final slideshow.pptx
@@ -7,9 +7,9 @@
   <p:sldIdLst>
     <p:sldId id="256" r:id="rId2"/>
     <p:sldId id="258" r:id="rId3"/>
-    <p:sldId id="261" r:id="rId4"/>
-    <p:sldId id="262" r:id="rId5"/>
-    <p:sldId id="259" r:id="rId6"/>
+    <p:sldId id="262" r:id="rId4"/>
+    <p:sldId id="259" r:id="rId5"/>
+    <p:sldId id="263" r:id="rId6"/>
     <p:sldId id="260" r:id="rId7"/>
   </p:sldIdLst>
   <p:sldSz cx="12192000" cy="6858000"/>
@@ -109,6 +109,11 @@
       </a:defRPr>
     </a:lvl9pPr>
   </p:defaultTextStyle>
+  <p:extLst>
+    <p:ext uri="{EFAFB233-063F-42B5-8137-9DF3F51BA10A}">
+      <p15:sldGuideLst xmlns:p15="http://schemas.microsoft.com/office/powerpoint/2012/main"/>
+    </p:ext>
+  </p:extLst>
 </p:presentation>
 </file>
 
@@ -3394,8 +3399,12 @@
               <a:rPr lang="en-US" dirty="0"/>
             </a:br>
             <a:r>
+              <a:rPr lang="en-US" dirty="0" err="1"/>
+              <a:t>Gotta</a:t>
+            </a:r>
+            <a:r>
               <a:rPr lang="en-US" dirty="0"/>
-              <a:t>Gotta select * all </a:t>
+              <a:t> select * FROM all</a:t>
             </a:r>
           </a:p>
         </p:txBody>
@@ -3429,27 +3438,28 @@
           <a:lstStyle/>
           <a:p>
             <a:r>
-              <a:rPr lang="en-US" dirty="0"/>
+              <a:rPr lang="en-US"/>
               <a:t>Team Rocket Recruits:</a:t>
             </a:r>
           </a:p>
           <a:p>
             <a:r>
-              <a:rPr lang="en-US" dirty="0"/>
+              <a:rPr lang="en-US"/>
               <a:t>Jordan Tiu</a:t>
             </a:r>
           </a:p>
           <a:p>
             <a:r>
-              <a:rPr lang="en-US" dirty="0"/>
+              <a:rPr lang="en-US"/>
               <a:t>Matt Hopkins</a:t>
             </a:r>
           </a:p>
           <a:p>
             <a:r>
-              <a:rPr lang="en-US" dirty="0"/>
+              <a:rPr lang="en-US"/>
               <a:t>Reed Bader</a:t>
             </a:r>
+            <a:endParaRPr lang="en-US" dirty="0"/>
           </a:p>
         </p:txBody>
       </p:sp>
@@ -3506,7 +3516,7 @@
           <a:p>
             <a:r>
               <a:rPr lang="en-US" dirty="0"/>
-              <a:t>Introduction: THE GAME THAT CHANGED A GENERTATION!</a:t>
+              <a:t>Introduction:</a:t>
             </a:r>
           </a:p>
         </p:txBody>
@@ -3539,28 +3549,7 @@
           </a:bodyPr>
           <a:lstStyle/>
           <a:p>
-            <a:r>
-              <a:rPr lang="en-US" sz="2000" dirty="0"/>
-              <a:t>1996, Nintendo released a game about exploring a world while catching interesting creature and become the very best, like no one ever was.</a:t>
-            </a:r>
-          </a:p>
-          <a:p>
-            <a:r>
-              <a:rPr lang="en-US" sz="2000" dirty="0"/>
-              <a:t>1998 :years later, it was released in America and quickly it has grown to the point that is globally recognized.</a:t>
-            </a:r>
-          </a:p>
-          <a:p>
-            <a:r>
-              <a:rPr lang="en-US" sz="2000" dirty="0"/>
-              <a:t>We chose to create a database of the first generation of Pokémon due to a couple of reasons. The main one </a:t>
-            </a:r>
-          </a:p>
-          <a:p>
-            <a:r>
-              <a:rPr lang="en-US" sz="2000" dirty="0"/>
-              <a:t>it was easy to get into for someone who doesn’t know much about it. But also since we had a general passion for the games and thought that we could do something that would make us interested and excited to do and finish.</a:t>
-            </a:r>
+            <a:endParaRPr lang="en-US" sz="2000" dirty="0"/>
           </a:p>
         </p:txBody>
       </p:sp>
@@ -3720,159 +3709,6 @@
           <a:chExt cx="0" cy="0"/>
         </a:xfrm>
       </p:grpSpPr>
-      <p:pic>
-        <p:nvPicPr>
-          <p:cNvPr id="4100" name="Picture 4" descr="Original Pokemon Wallpapers - Top Free Original Pokemon ...">
-            <a:extLst>
-              <a:ext uri="{FF2B5EF4-FFF2-40B4-BE49-F238E27FC236}">
-                <a16:creationId xmlns:a16="http://schemas.microsoft.com/office/drawing/2014/main" id="{7C4A3A93-E989-450F-BDE6-BDD3F5AB1BA9}"/>
-              </a:ext>
-            </a:extLst>
-          </p:cNvPr>
-          <p:cNvPicPr>
-            <a:picLocks noChangeAspect="1" noChangeArrowheads="1"/>
-          </p:cNvPicPr>
-          <p:nvPr/>
-        </p:nvPicPr>
-        <p:blipFill>
-          <a:blip r:embed="rId2">
-            <a:alphaModFix amt="70000"/>
-            <a:extLst>
-              <a:ext uri="{28A0092B-C50C-407E-A947-70E740481C1C}">
-                <a14:useLocalDpi xmlns:a14="http://schemas.microsoft.com/office/drawing/2010/main" val="0"/>
-              </a:ext>
-            </a:extLst>
-          </a:blip>
-          <a:srcRect/>
-          <a:stretch>
-            <a:fillRect/>
-          </a:stretch>
-        </p:blipFill>
-        <p:spPr bwMode="auto">
-          <a:xfrm>
-            <a:off x="0" y="1969477"/>
-            <a:ext cx="12186882" cy="4888523"/>
-          </a:xfrm>
-          <a:prstGeom prst="rect">
-            <a:avLst/>
-          </a:prstGeom>
-          <a:noFill/>
-          <a:extLst>
-            <a:ext uri="{909E8E84-426E-40DD-AFC4-6F175D3DCCD1}">
-              <a14:hiddenFill xmlns:a14="http://schemas.microsoft.com/office/drawing/2010/main">
-                <a:solidFill>
-                  <a:srgbClr val="FFFFFF"/>
-                </a:solidFill>
-              </a14:hiddenFill>
-            </a:ext>
-          </a:extLst>
-        </p:spPr>
-      </p:pic>
-      <p:sp>
-        <p:nvSpPr>
-          <p:cNvPr id="2" name="Title 1">
-            <a:extLst>
-              <a:ext uri="{FF2B5EF4-FFF2-40B4-BE49-F238E27FC236}">
-                <a16:creationId xmlns:a16="http://schemas.microsoft.com/office/drawing/2014/main" id="{2828D5D2-FB40-4D6E-9E6B-D7B9ED73773A}"/>
-              </a:ext>
-            </a:extLst>
-          </p:cNvPr>
-          <p:cNvSpPr>
-            <a:spLocks noGrp="1"/>
-          </p:cNvSpPr>
-          <p:nvPr>
-            <p:ph type="title"/>
-          </p:nvPr>
-        </p:nvSpPr>
-        <p:spPr>
-          <a:xfrm>
-            <a:off x="839788" y="457200"/>
-            <a:ext cx="3932237" cy="531812"/>
-          </a:xfrm>
-        </p:spPr>
-        <p:txBody>
-          <a:bodyPr/>
-          <a:lstStyle/>
-          <a:p>
-            <a:r>
-              <a:rPr lang="en-US" dirty="0"/>
-              <a:t>What we started doing</a:t>
-            </a:r>
-          </a:p>
-        </p:txBody>
-      </p:sp>
-      <p:sp>
-        <p:nvSpPr>
-          <p:cNvPr id="4" name="Text Placeholder 3">
-            <a:extLst>
-              <a:ext uri="{FF2B5EF4-FFF2-40B4-BE49-F238E27FC236}">
-                <a16:creationId xmlns:a16="http://schemas.microsoft.com/office/drawing/2014/main" id="{FFFF2B41-41C3-480B-8513-C946BC3ABD1D}"/>
-              </a:ext>
-            </a:extLst>
-          </p:cNvPr>
-          <p:cNvSpPr>
-            <a:spLocks noGrp="1"/>
-          </p:cNvSpPr>
-          <p:nvPr>
-            <p:ph type="body" sz="half" idx="2"/>
-          </p:nvPr>
-        </p:nvSpPr>
-        <p:spPr>
-          <a:xfrm>
-            <a:off x="839787" y="1044142"/>
-            <a:ext cx="6545751" cy="1345319"/>
-          </a:xfrm>
-        </p:spPr>
-        <p:txBody>
-          <a:bodyPr>
-            <a:normAutofit/>
-          </a:bodyPr>
-          <a:lstStyle/>
-          <a:p>
-            <a:pPr marL="285750" indent="-285750">
-              <a:buFont typeface="Arial" panose="020B0604020202020204" pitchFamily="34" charset="0"/>
-              <a:buChar char="•"/>
-            </a:pPr>
-            <a:r>
-              <a:rPr lang="en-US" sz="2000" dirty="0"/>
-              <a:t>We chose to initially create a pokedex, but when we looked at it, we had the thought of, ‘nah, we can do better’. So we added and created a user profile, a login, the user’s collection of Pokémon as well as a pokedex.</a:t>
-            </a:r>
-          </a:p>
-          <a:p>
-            <a:endParaRPr lang="en-US" dirty="0"/>
-          </a:p>
-        </p:txBody>
-      </p:sp>
-    </p:spTree>
-    <p:extLst>
-      <p:ext uri="{BB962C8B-B14F-4D97-AF65-F5344CB8AC3E}">
-        <p14:creationId xmlns:p14="http://schemas.microsoft.com/office/powerpoint/2010/main" val="3834485654"/>
-      </p:ext>
-    </p:extLst>
-  </p:cSld>
-  <p:clrMapOvr>
-    <a:masterClrMapping/>
-  </p:clrMapOvr>
-</p:sld>
-</file>
-
-<file path=ppt/slides/slide4.xml><?xml version="1.0" encoding="utf-8"?>
-<p:sld xmlns:a="http://schemas.openxmlformats.org/drawingml/2006/main" xmlns:r="http://schemas.openxmlformats.org/officeDocument/2006/relationships" xmlns:p="http://schemas.openxmlformats.org/presentationml/2006/main">
-  <p:cSld>
-    <p:spTree>
-      <p:nvGrpSpPr>
-        <p:cNvPr id="1" name=""/>
-        <p:cNvGrpSpPr/>
-        <p:nvPr/>
-      </p:nvGrpSpPr>
-      <p:grpSpPr>
-        <a:xfrm>
-          <a:off x="0" y="0"/>
-          <a:ext cx="0" cy="0"/>
-          <a:chOff x="0" y="0"/>
-          <a:chExt cx="0" cy="0"/>
-        </a:xfrm>
-      </p:grpSpPr>
       <p:sp>
         <p:nvSpPr>
           <p:cNvPr id="2" name="Title 1">
@@ -3991,7 +3827,7 @@
 </p:sld>
 </file>
 
-<file path=ppt/slides/slide5.xml><?xml version="1.0" encoding="utf-8"?>
+<file path=ppt/slides/slide4.xml><?xml version="1.0" encoding="utf-8"?>
 <p:sld xmlns:a="http://schemas.openxmlformats.org/drawingml/2006/main" xmlns:r="http://schemas.openxmlformats.org/officeDocument/2006/relationships" xmlns:p="http://schemas.openxmlformats.org/presentationml/2006/main">
   <p:cSld>
     <p:spTree>
@@ -4227,6 +4063,183 @@
 </p:sld>
 </file>
 
+<file path=ppt/slides/slide5.xml><?xml version="1.0" encoding="utf-8"?>
+<p:sld xmlns:a="http://schemas.openxmlformats.org/drawingml/2006/main" xmlns:r="http://schemas.openxmlformats.org/officeDocument/2006/relationships" xmlns:p="http://schemas.openxmlformats.org/presentationml/2006/main">
+  <p:cSld>
+    <p:spTree>
+      <p:nvGrpSpPr>
+        <p:cNvPr id="1" name=""/>
+        <p:cNvGrpSpPr/>
+        <p:nvPr/>
+      </p:nvGrpSpPr>
+      <p:grpSpPr>
+        <a:xfrm>
+          <a:off x="0" y="0"/>
+          <a:ext cx="0" cy="0"/>
+          <a:chOff x="0" y="0"/>
+          <a:chExt cx="0" cy="0"/>
+        </a:xfrm>
+      </p:grpSpPr>
+      <p:sp>
+        <p:nvSpPr>
+          <p:cNvPr id="2" name="Title 1">
+            <a:extLst>
+              <a:ext uri="{FF2B5EF4-FFF2-40B4-BE49-F238E27FC236}">
+                <a16:creationId xmlns:a16="http://schemas.microsoft.com/office/drawing/2014/main" id="{1513E68C-D98A-442D-AA5E-4D6F636AB4FC}"/>
+              </a:ext>
+            </a:extLst>
+          </p:cNvPr>
+          <p:cNvSpPr>
+            <a:spLocks noGrp="1"/>
+          </p:cNvSpPr>
+          <p:nvPr>
+            <p:ph type="ctrTitle"/>
+          </p:nvPr>
+        </p:nvSpPr>
+        <p:spPr>
+          <a:xfrm>
+            <a:off x="1633728" y="406400"/>
+            <a:ext cx="9144000" cy="1081024"/>
+          </a:xfrm>
+        </p:spPr>
+        <p:txBody>
+          <a:bodyPr/>
+          <a:lstStyle/>
+          <a:p>
+            <a:pPr algn="l"/>
+            <a:r>
+              <a:rPr lang="en-US"/>
+              <a:t>Issues and Setbacks</a:t>
+            </a:r>
+            <a:endParaRPr lang="en-US" dirty="0"/>
+          </a:p>
+        </p:txBody>
+      </p:sp>
+      <p:sp>
+        <p:nvSpPr>
+          <p:cNvPr id="3" name="Subtitle 2">
+            <a:extLst>
+              <a:ext uri="{FF2B5EF4-FFF2-40B4-BE49-F238E27FC236}">
+                <a16:creationId xmlns:a16="http://schemas.microsoft.com/office/drawing/2014/main" id="{97BAFA8F-9D6A-449C-96DE-10247301E76B}"/>
+              </a:ext>
+            </a:extLst>
+          </p:cNvPr>
+          <p:cNvSpPr>
+            <a:spLocks noGrp="1"/>
+          </p:cNvSpPr>
+          <p:nvPr>
+            <p:ph type="subTitle" idx="1"/>
+          </p:nvPr>
+        </p:nvSpPr>
+        <p:spPr>
+          <a:xfrm>
+            <a:off x="1402080" y="1614742"/>
+            <a:ext cx="9144000" cy="1655762"/>
+          </a:xfrm>
+        </p:spPr>
+        <p:txBody>
+          <a:bodyPr/>
+          <a:lstStyle/>
+          <a:p>
+            <a:pPr marL="342900" indent="-342900" algn="l">
+              <a:buFont typeface="Arial" panose="020B0604020202020204" pitchFamily="34" charset="0"/>
+              <a:buChar char="•"/>
+            </a:pPr>
+            <a:r>
+              <a:rPr lang="en-US"/>
+              <a:t>Using an ASP.Net framework with C#</a:t>
+            </a:r>
+          </a:p>
+          <a:p>
+            <a:pPr marL="800100" lvl="1" indent="-342900" algn="l">
+              <a:buFont typeface="Arial" panose="020B0604020202020204" pitchFamily="34" charset="0"/>
+              <a:buChar char="•"/>
+            </a:pPr>
+            <a:r>
+              <a:rPr lang="en-US"/>
+              <a:t>Solution – used Python with a Flask extension </a:t>
+            </a:r>
+          </a:p>
+          <a:p>
+            <a:pPr marL="342900" indent="-342900" algn="l">
+              <a:buFont typeface="Arial" panose="020B0604020202020204" pitchFamily="34" charset="0"/>
+              <a:buChar char="•"/>
+            </a:pPr>
+            <a:r>
+              <a:rPr lang="en-US"/>
+              <a:t>Setting up the environment to work in </a:t>
+            </a:r>
+          </a:p>
+          <a:p>
+            <a:pPr marL="800100" lvl="1" indent="-342900" algn="l">
+              <a:buFont typeface="Arial" panose="020B0604020202020204" pitchFamily="34" charset="0"/>
+              <a:buChar char="•"/>
+            </a:pPr>
+            <a:endParaRPr lang="en-US" dirty="0"/>
+          </a:p>
+        </p:txBody>
+      </p:sp>
+      <p:pic>
+        <p:nvPicPr>
+          <p:cNvPr id="4" name="Picture 4" descr="Original Pokemon Wallpapers - Top Free Original Pokemon ...">
+            <a:extLst>
+              <a:ext uri="{FF2B5EF4-FFF2-40B4-BE49-F238E27FC236}">
+                <a16:creationId xmlns:a16="http://schemas.microsoft.com/office/drawing/2014/main" id="{D1B0B740-E90D-4E29-9138-9619BB546132}"/>
+              </a:ext>
+            </a:extLst>
+          </p:cNvPr>
+          <p:cNvPicPr>
+            <a:picLocks noChangeAspect="1" noChangeArrowheads="1"/>
+          </p:cNvPicPr>
+          <p:nvPr/>
+        </p:nvPicPr>
+        <p:blipFill>
+          <a:blip r:embed="rId2">
+            <a:alphaModFix amt="70000"/>
+            <a:extLst>
+              <a:ext uri="{28A0092B-C50C-407E-A947-70E740481C1C}">
+                <a14:useLocalDpi xmlns:a14="http://schemas.microsoft.com/office/drawing/2010/main" val="0"/>
+              </a:ext>
+            </a:extLst>
+          </a:blip>
+          <a:srcRect/>
+          <a:stretch>
+            <a:fillRect/>
+          </a:stretch>
+        </p:blipFill>
+        <p:spPr bwMode="auto">
+          <a:xfrm>
+            <a:off x="504990" y="2732407"/>
+            <a:ext cx="10284930" cy="4125593"/>
+          </a:xfrm>
+          <a:prstGeom prst="rect">
+            <a:avLst/>
+          </a:prstGeom>
+          <a:noFill/>
+          <a:extLst>
+            <a:ext uri="{909E8E84-426E-40DD-AFC4-6F175D3DCCD1}">
+              <a14:hiddenFill xmlns:a14="http://schemas.microsoft.com/office/drawing/2010/main">
+                <a:solidFill>
+                  <a:srgbClr val="FFFFFF"/>
+                </a:solidFill>
+              </a14:hiddenFill>
+            </a:ext>
+          </a:extLst>
+        </p:spPr>
+      </p:pic>
+    </p:spTree>
+    <p:extLst>
+      <p:ext uri="{BB962C8B-B14F-4D97-AF65-F5344CB8AC3E}">
+        <p14:creationId xmlns:p14="http://schemas.microsoft.com/office/powerpoint/2010/main" val="2377631391"/>
+      </p:ext>
+    </p:extLst>
+  </p:cSld>
+  <p:clrMapOvr>
+    <a:masterClrMapping/>
+  </p:clrMapOvr>
+</p:sld>
+</file>
+
 <file path=ppt/slides/slide6.xml><?xml version="1.0" encoding="utf-8"?>
 <p:sld xmlns:a="http://schemas.openxmlformats.org/drawingml/2006/main" xmlns:r="http://schemas.openxmlformats.org/officeDocument/2006/relationships" xmlns:p="http://schemas.openxmlformats.org/presentationml/2006/main">
   <p:cSld>
@@ -4260,15 +4273,21 @@
             <p:ph type="title"/>
           </p:nvPr>
         </p:nvSpPr>
-        <p:spPr/>
-        <p:txBody>
-          <a:bodyPr/>
-          <a:lstStyle/>
-          <a:p>
-            <a:r>
-              <a:rPr lang="en-US" dirty="0"/>
-              <a:t>Issues and conclusions</a:t>
-            </a:r>
+        <p:spPr>
+          <a:xfrm>
+            <a:off x="838200" y="365125"/>
+            <a:ext cx="10515600" cy="1325563"/>
+          </a:xfrm>
+        </p:spPr>
+        <p:txBody>
+          <a:bodyPr/>
+          <a:lstStyle/>
+          <a:p>
+            <a:r>
+              <a:rPr lang="en-US"/>
+              <a:t>Conclusion</a:t>
+            </a:r>
+            <a:endParaRPr lang="en-US" dirty="0"/>
           </a:p>
         </p:txBody>
       </p:sp>
@@ -4288,23 +4307,21 @@
             <p:ph idx="1"/>
           </p:nvPr>
         </p:nvSpPr>
-        <p:spPr/>
-        <p:txBody>
-          <a:bodyPr/>
-          <a:lstStyle/>
-          <a:p>
-            <a:r>
-              <a:rPr lang="en-US" dirty="0"/>
-              <a:t>Due to the outbreak of </a:t>
-            </a:r>
-            <a:r>
-              <a:rPr lang="en-US" dirty="0" err="1"/>
-              <a:t>Covid</a:t>
-            </a:r>
-            <a:r>
-              <a:rPr lang="en-US" dirty="0"/>
-              <a:t>, there was some difficulty meeting due mostly to the fact that schedules changed a little and we could no longer meet in public. But with the use of discord and some talk, we got over that. We didn’t have to change much which was lucky.</a:t>
-            </a:r>
+        <p:spPr>
+          <a:xfrm>
+            <a:off x="838200" y="1825625"/>
+            <a:ext cx="10515600" cy="4351338"/>
+          </a:xfrm>
+        </p:spPr>
+        <p:txBody>
+          <a:bodyPr/>
+          <a:lstStyle/>
+          <a:p>
+            <a:r>
+              <a:rPr lang="en-US"/>
+              <a:t>Overall it was a great project and we had a lot of fun learning and building our own database. There are things we could have improved upon, especially the css, but we are happy with our result. </a:t>
+            </a:r>
+            <a:endParaRPr lang="en-US" dirty="0"/>
           </a:p>
         </p:txBody>
       </p:sp>
@@ -4330,59 +4347,12 @@
         </p:blipFill>
         <p:spPr>
           <a:xfrm>
-            <a:off x="8459028" y="3429000"/>
+            <a:off x="4008948" y="3027087"/>
             <a:ext cx="3149876" cy="3149876"/>
           </a:xfrm>
           <a:prstGeom prst="rect">
             <a:avLst/>
           </a:prstGeom>
-        </p:spPr>
-      </p:pic>
-      <p:pic>
-        <p:nvPicPr>
-          <p:cNvPr id="3074" name="Picture 2" descr="Pokémon GO on Twitter: &quot;Genesect, the Paleozoic Pokémon, will make ...">
-            <a:extLst>
-              <a:ext uri="{FF2B5EF4-FFF2-40B4-BE49-F238E27FC236}">
-                <a16:creationId xmlns:a16="http://schemas.microsoft.com/office/drawing/2014/main" id="{9D57E2EF-4B6C-486A-B47C-6FC7947041E2}"/>
-              </a:ext>
-            </a:extLst>
-          </p:cNvPr>
-          <p:cNvPicPr>
-            <a:picLocks noChangeAspect="1" noChangeArrowheads="1"/>
-          </p:cNvPicPr>
-          <p:nvPr/>
-        </p:nvPicPr>
-        <p:blipFill>
-          <a:blip r:embed="rId3">
-            <a:extLst>
-              <a:ext uri="{28A0092B-C50C-407E-A947-70E740481C1C}">
-                <a14:useLocalDpi xmlns:a14="http://schemas.microsoft.com/office/drawing/2010/main" val="0"/>
-              </a:ext>
-            </a:extLst>
-          </a:blip>
-          <a:srcRect/>
-          <a:stretch>
-            <a:fillRect/>
-          </a:stretch>
-        </p:blipFill>
-        <p:spPr bwMode="auto">
-          <a:xfrm>
-            <a:off x="373672" y="3429000"/>
-            <a:ext cx="2979127" cy="3344492"/>
-          </a:xfrm>
-          <a:prstGeom prst="rect">
-            <a:avLst/>
-          </a:prstGeom>
-          <a:noFill/>
-          <a:extLst>
-            <a:ext uri="{909E8E84-426E-40DD-AFC4-6F175D3DCCD1}">
-              <a14:hiddenFill xmlns:a14="http://schemas.microsoft.com/office/drawing/2010/main">
-                <a:solidFill>
-                  <a:srgbClr val="FFFFFF"/>
-                </a:solidFill>
-              </a14:hiddenFill>
-            </a:ext>
-          </a:extLst>
         </p:spPr>
       </p:pic>
     </p:spTree>

--- a/Documentation/final slideshow.pptx
+++ b/Documentation/final slideshow.pptx
@@ -3539,8 +3539,8 @@
         </p:nvSpPr>
         <p:spPr>
           <a:xfrm>
-            <a:off x="838200" y="1840768"/>
-            <a:ext cx="10515600" cy="4351338"/>
+            <a:off x="838199" y="1840768"/>
+            <a:ext cx="4814455" cy="4351338"/>
           </a:xfrm>
         </p:spPr>
         <p:txBody>
@@ -3549,6 +3549,56 @@
           </a:bodyPr>
           <a:lstStyle/>
           <a:p>
+            <a:r>
+              <a:rPr lang="en-US" sz="2000" dirty="0" smtClean="0"/>
+              <a:t>Database to mimic </a:t>
+            </a:r>
+            <a:r>
+              <a:rPr lang="en-US" sz="2000" dirty="0" err="1" smtClean="0"/>
+              <a:t>Pokemon</a:t>
+            </a:r>
+            <a:r>
+              <a:rPr lang="en-US" sz="2000" dirty="0" smtClean="0"/>
+              <a:t> Storage System from video game</a:t>
+            </a:r>
+          </a:p>
+          <a:p>
+            <a:r>
+              <a:rPr lang="en-US" sz="2000" dirty="0" err="1" smtClean="0"/>
+              <a:t>Pokemon</a:t>
+            </a:r>
+            <a:r>
+              <a:rPr lang="en-US" sz="2000" dirty="0" smtClean="0"/>
+              <a:t> database (</a:t>
+            </a:r>
+            <a:r>
+              <a:rPr lang="en-US" sz="2000" dirty="0" err="1" smtClean="0"/>
+              <a:t>Pokedex</a:t>
+            </a:r>
+            <a:r>
+              <a:rPr lang="en-US" sz="2000" dirty="0" smtClean="0"/>
+              <a:t>) with wide variety of attributes (names, type, egg group, etc.)</a:t>
+            </a:r>
+          </a:p>
+          <a:p>
+            <a:r>
+              <a:rPr lang="en-US" sz="2000" dirty="0" smtClean="0"/>
+              <a:t>Trainers in game able to add </a:t>
+            </a:r>
+            <a:r>
+              <a:rPr lang="en-US" sz="2000" dirty="0" err="1" smtClean="0"/>
+              <a:t>Pokemon</a:t>
+            </a:r>
+            <a:r>
+              <a:rPr lang="en-US" sz="2000" dirty="0" smtClean="0"/>
+              <a:t> to their collection</a:t>
+            </a:r>
+          </a:p>
+          <a:p>
+            <a:r>
+              <a:rPr lang="en-US" sz="2000" dirty="0" smtClean="0"/>
+              <a:t>Wide variety of queries that can be performed on the database</a:t>
+            </a:r>
             <a:endParaRPr lang="en-US" sz="2000" dirty="0"/>
           </a:p>
         </p:txBody>
@@ -3582,8 +3632,8 @@
         </p:blipFill>
         <p:spPr bwMode="auto">
           <a:xfrm>
-            <a:off x="615828" y="4711700"/>
-            <a:ext cx="3819903" cy="2146300"/>
+            <a:off x="6513506" y="2095305"/>
+            <a:ext cx="4840294" cy="2719630"/>
           </a:xfrm>
           <a:prstGeom prst="rect">
             <a:avLst/>
@@ -3598,85 +3648,6 @@
               </a14:hiddenFill>
             </a:ext>
           </a:extLst>
-        </p:spPr>
-      </p:pic>
-      <p:pic>
-        <p:nvPicPr>
-          <p:cNvPr id="2052" name="Picture 4" descr="Limited Edition Pokemon Plush - 8&quot; Pikachu with Flower - Walmart.com">
-            <a:extLst>
-              <a:ext uri="{FF2B5EF4-FFF2-40B4-BE49-F238E27FC236}">
-                <a16:creationId xmlns:a16="http://schemas.microsoft.com/office/drawing/2014/main" id="{96103F7C-B1AC-46CC-BEE5-F7B95B8DDC5C}"/>
-              </a:ext>
-            </a:extLst>
-          </p:cNvPr>
-          <p:cNvPicPr>
-            <a:picLocks noChangeAspect="1" noChangeArrowheads="1"/>
-          </p:cNvPicPr>
-          <p:nvPr/>
-        </p:nvPicPr>
-        <p:blipFill>
-          <a:blip r:embed="rId3">
-            <a:extLst>
-              <a:ext uri="{28A0092B-C50C-407E-A947-70E740481C1C}">
-                <a14:useLocalDpi xmlns:a14="http://schemas.microsoft.com/office/drawing/2010/main" val="0"/>
-              </a:ext>
-            </a:extLst>
-          </a:blip>
-          <a:srcRect/>
-          <a:stretch>
-            <a:fillRect/>
-          </a:stretch>
-        </p:blipFill>
-        <p:spPr bwMode="auto">
-          <a:xfrm>
-            <a:off x="9456493" y="4472842"/>
-            <a:ext cx="2143125" cy="2143125"/>
-          </a:xfrm>
-          <a:prstGeom prst="rect">
-            <a:avLst/>
-          </a:prstGeom>
-          <a:noFill/>
-          <a:extLst>
-            <a:ext uri="{909E8E84-426E-40DD-AFC4-6F175D3DCCD1}">
-              <a14:hiddenFill xmlns:a14="http://schemas.microsoft.com/office/drawing/2010/main">
-                <a:solidFill>
-                  <a:srgbClr val="FFFFFF"/>
-                </a:solidFill>
-              </a14:hiddenFill>
-            </a:ext>
-          </a:extLst>
-        </p:spPr>
-      </p:pic>
-      <p:pic>
-        <p:nvPicPr>
-          <p:cNvPr id="4" name="Picture 3">
-            <a:extLst>
-              <a:ext uri="{FF2B5EF4-FFF2-40B4-BE49-F238E27FC236}">
-                <a16:creationId xmlns:a16="http://schemas.microsoft.com/office/drawing/2014/main" id="{5F41C171-FE7E-442F-8524-45A615CB0E33}"/>
-              </a:ext>
-            </a:extLst>
-          </p:cNvPr>
-          <p:cNvPicPr>
-            <a:picLocks noChangeAspect="1"/>
-          </p:cNvPicPr>
-          <p:nvPr/>
-        </p:nvPicPr>
-        <p:blipFill>
-          <a:blip r:embed="rId4">
-            <a:alphaModFix/>
-          </a:blip>
-          <a:stretch>
-            <a:fillRect/>
-          </a:stretch>
-        </p:blipFill>
-        <p:spPr>
-          <a:xfrm>
-            <a:off x="5257699" y="4192693"/>
-            <a:ext cx="3558055" cy="2665307"/>
-          </a:xfrm>
-          <a:prstGeom prst="rect">
-            <a:avLst/>
-          </a:prstGeom>
         </p:spPr>
       </p:pic>
     </p:spTree>
@@ -3709,81 +3680,6 @@
           <a:chExt cx="0" cy="0"/>
         </a:xfrm>
       </p:grpSpPr>
-      <p:sp>
-        <p:nvSpPr>
-          <p:cNvPr id="2" name="Title 1">
-            <a:extLst>
-              <a:ext uri="{FF2B5EF4-FFF2-40B4-BE49-F238E27FC236}">
-                <a16:creationId xmlns:a16="http://schemas.microsoft.com/office/drawing/2014/main" id="{303E9A44-8C8B-4DCA-822D-74E9120A1296}"/>
-              </a:ext>
-            </a:extLst>
-          </p:cNvPr>
-          <p:cNvSpPr>
-            <a:spLocks noGrp="1"/>
-          </p:cNvSpPr>
-          <p:nvPr>
-            <p:ph type="title"/>
-          </p:nvPr>
-        </p:nvSpPr>
-        <p:spPr/>
-        <p:txBody>
-          <a:bodyPr/>
-          <a:lstStyle/>
-          <a:p>
-            <a:endParaRPr lang="en-US"/>
-          </a:p>
-        </p:txBody>
-      </p:sp>
-      <p:sp>
-        <p:nvSpPr>
-          <p:cNvPr id="3" name="Content Placeholder 2">
-            <a:extLst>
-              <a:ext uri="{FF2B5EF4-FFF2-40B4-BE49-F238E27FC236}">
-                <a16:creationId xmlns:a16="http://schemas.microsoft.com/office/drawing/2014/main" id="{301326AE-C28B-4DE8-BF46-5D9DB69D8608}"/>
-              </a:ext>
-            </a:extLst>
-          </p:cNvPr>
-          <p:cNvSpPr>
-            <a:spLocks noGrp="1"/>
-          </p:cNvSpPr>
-          <p:nvPr>
-            <p:ph idx="1"/>
-          </p:nvPr>
-        </p:nvSpPr>
-        <p:spPr/>
-        <p:txBody>
-          <a:bodyPr/>
-          <a:lstStyle/>
-          <a:p>
-            <a:endParaRPr lang="en-US"/>
-          </a:p>
-        </p:txBody>
-      </p:sp>
-      <p:sp>
-        <p:nvSpPr>
-          <p:cNvPr id="4" name="Text Placeholder 3">
-            <a:extLst>
-              <a:ext uri="{FF2B5EF4-FFF2-40B4-BE49-F238E27FC236}">
-                <a16:creationId xmlns:a16="http://schemas.microsoft.com/office/drawing/2014/main" id="{1C7E1BB3-8D9F-44A2-BE99-01C7F7E7C76F}"/>
-              </a:ext>
-            </a:extLst>
-          </p:cNvPr>
-          <p:cNvSpPr>
-            <a:spLocks noGrp="1"/>
-          </p:cNvSpPr>
-          <p:nvPr>
-            <p:ph type="body" sz="half" idx="2"/>
-          </p:nvPr>
-        </p:nvSpPr>
-        <p:spPr/>
-        <p:txBody>
-          <a:bodyPr/>
-          <a:lstStyle/>
-          <a:p>
-            <a:endParaRPr lang="en-US"/>
-          </a:p>
-        </p:txBody>
-      </p:sp>
       <p:pic>
         <p:nvPicPr>
           <p:cNvPr id="5" name="Picture 4">
@@ -3806,14 +3702,48 @@
         </p:blipFill>
         <p:spPr>
           <a:xfrm>
-            <a:off x="836612" y="231431"/>
-            <a:ext cx="10417380" cy="6333491"/>
+            <a:off x="1925580" y="1257300"/>
+            <a:ext cx="8598333" cy="5227559"/>
           </a:xfrm>
           <a:prstGeom prst="rect">
             <a:avLst/>
           </a:prstGeom>
         </p:spPr>
       </p:pic>
+      <p:sp>
+        <p:nvSpPr>
+          <p:cNvPr id="6" name="Title 1"/>
+          <p:cNvSpPr>
+            <a:spLocks noGrp="1"/>
+          </p:cNvSpPr>
+          <p:nvPr>
+            <p:ph type="title"/>
+          </p:nvPr>
+        </p:nvSpPr>
+        <p:spPr>
+          <a:xfrm>
+            <a:off x="3426099" y="457200"/>
+            <a:ext cx="5597293" cy="800100"/>
+          </a:xfrm>
+        </p:spPr>
+        <p:txBody>
+          <a:bodyPr>
+            <a:normAutofit/>
+          </a:bodyPr>
+          <a:lstStyle/>
+          <a:p>
+            <a:r>
+              <a:rPr lang="en-US" dirty="0" err="1" smtClean="0"/>
+              <a:t>Pokemon</a:t>
+            </a:r>
+            <a:r>
+              <a:rPr lang="en-US" dirty="0" smtClean="0"/>
+              <a:t> Database: ER Diagram</a:t>
+            </a:r>
+            <a:endParaRPr lang="en-US" dirty="0"/>
+          </a:p>
+        </p:txBody>
+      </p:sp>
     </p:spTree>
     <p:extLst>
       <p:ext uri="{BB962C8B-B14F-4D97-AF65-F5344CB8AC3E}">

--- a/Documentation/final slideshow.pptx
+++ b/Documentation/final slideshow.pptx
@@ -7,9 +7,9 @@
   <p:sldIdLst>
     <p:sldId id="256" r:id="rId2"/>
     <p:sldId id="258" r:id="rId3"/>
-    <p:sldId id="261" r:id="rId4"/>
-    <p:sldId id="262" r:id="rId5"/>
-    <p:sldId id="259" r:id="rId6"/>
+    <p:sldId id="262" r:id="rId4"/>
+    <p:sldId id="259" r:id="rId5"/>
+    <p:sldId id="263" r:id="rId6"/>
     <p:sldId id="260" r:id="rId7"/>
   </p:sldIdLst>
   <p:sldSz cx="12192000" cy="6858000"/>
@@ -109,6 +109,11 @@
       </a:defRPr>
     </a:lvl9pPr>
   </p:defaultTextStyle>
+  <p:extLst>
+    <p:ext uri="{EFAFB233-063F-42B5-8137-9DF3F51BA10A}">
+      <p15:sldGuideLst xmlns:p15="http://schemas.microsoft.com/office/powerpoint/2012/main"/>
+    </p:ext>
+  </p:extLst>
 </p:presentation>
 </file>
 
@@ -3394,8 +3399,12 @@
               <a:rPr lang="en-US" dirty="0"/>
             </a:br>
             <a:r>
+              <a:rPr lang="en-US" dirty="0" err="1"/>
+              <a:t>Gotta</a:t>
+            </a:r>
+            <a:r>
               <a:rPr lang="en-US" dirty="0"/>
-              <a:t>Gotta select * all </a:t>
+              <a:t> select * FROM all</a:t>
             </a:r>
           </a:p>
         </p:txBody>
@@ -3429,27 +3438,28 @@
           <a:lstStyle/>
           <a:p>
             <a:r>
-              <a:rPr lang="en-US" dirty="0"/>
+              <a:rPr lang="en-US"/>
               <a:t>Team Rocket Recruits:</a:t>
             </a:r>
           </a:p>
           <a:p>
             <a:r>
-              <a:rPr lang="en-US" dirty="0"/>
+              <a:rPr lang="en-US"/>
               <a:t>Jordan Tiu</a:t>
             </a:r>
           </a:p>
           <a:p>
             <a:r>
-              <a:rPr lang="en-US" dirty="0"/>
+              <a:rPr lang="en-US"/>
               <a:t>Matt Hopkins</a:t>
             </a:r>
           </a:p>
           <a:p>
             <a:r>
-              <a:rPr lang="en-US" dirty="0"/>
+              <a:rPr lang="en-US"/>
               <a:t>Reed Bader</a:t>
             </a:r>
+            <a:endParaRPr lang="en-US" dirty="0"/>
           </a:p>
         </p:txBody>
       </p:sp>
@@ -3506,7 +3516,7 @@
           <a:p>
             <a:r>
               <a:rPr lang="en-US" dirty="0"/>
-              <a:t>Introduction: THE GAME THAT CHANGED A GENERTATION!</a:t>
+              <a:t>Introduction:</a:t>
             </a:r>
           </a:p>
         </p:txBody>
@@ -3529,8 +3539,8 @@
         </p:nvSpPr>
         <p:spPr>
           <a:xfrm>
-            <a:off x="838200" y="1840768"/>
-            <a:ext cx="10515600" cy="4351338"/>
+            <a:off x="838199" y="1840768"/>
+            <a:ext cx="4814455" cy="4351338"/>
           </a:xfrm>
         </p:spPr>
         <p:txBody>
@@ -3540,27 +3550,56 @@
           <a:lstStyle/>
           <a:p>
             <a:r>
-              <a:rPr lang="en-US" sz="2000" dirty="0"/>
-              <a:t>1996, Nintendo released a game about exploring a world while catching interesting creature and become the very best, like no one ever was.</a:t>
-            </a:r>
-          </a:p>
-          <a:p>
-            <a:r>
-              <a:rPr lang="en-US" sz="2000" dirty="0"/>
-              <a:t>1998 :years later, it was released in America and quickly it has grown to the point that is globally recognized.</a:t>
-            </a:r>
-          </a:p>
-          <a:p>
-            <a:r>
-              <a:rPr lang="en-US" sz="2000" dirty="0"/>
-              <a:t>We chose to create a database of the first generation of Pokémon due to a couple of reasons. The main one </a:t>
-            </a:r>
-          </a:p>
-          <a:p>
-            <a:r>
-              <a:rPr lang="en-US" sz="2000" dirty="0"/>
-              <a:t>it was easy to get into for someone who doesn’t know much about it. But also since we had a general passion for the games and thought that we could do something that would make us interested and excited to do and finish.</a:t>
-            </a:r>
+              <a:rPr lang="en-US" sz="2000" dirty="0" smtClean="0"/>
+              <a:t>Database to mimic </a:t>
+            </a:r>
+            <a:r>
+              <a:rPr lang="en-US" sz="2000" dirty="0" err="1" smtClean="0"/>
+              <a:t>Pokemon</a:t>
+            </a:r>
+            <a:r>
+              <a:rPr lang="en-US" sz="2000" dirty="0" smtClean="0"/>
+              <a:t> Storage System from video game</a:t>
+            </a:r>
+          </a:p>
+          <a:p>
+            <a:r>
+              <a:rPr lang="en-US" sz="2000" dirty="0" err="1" smtClean="0"/>
+              <a:t>Pokemon</a:t>
+            </a:r>
+            <a:r>
+              <a:rPr lang="en-US" sz="2000" dirty="0" smtClean="0"/>
+              <a:t> database (</a:t>
+            </a:r>
+            <a:r>
+              <a:rPr lang="en-US" sz="2000" dirty="0" err="1" smtClean="0"/>
+              <a:t>Pokedex</a:t>
+            </a:r>
+            <a:r>
+              <a:rPr lang="en-US" sz="2000" dirty="0" smtClean="0"/>
+              <a:t>) with wide variety of attributes (names, type, egg group, etc.)</a:t>
+            </a:r>
+          </a:p>
+          <a:p>
+            <a:r>
+              <a:rPr lang="en-US" sz="2000" dirty="0" smtClean="0"/>
+              <a:t>Trainers in game able to add </a:t>
+            </a:r>
+            <a:r>
+              <a:rPr lang="en-US" sz="2000" dirty="0" err="1" smtClean="0"/>
+              <a:t>Pokemon</a:t>
+            </a:r>
+            <a:r>
+              <a:rPr lang="en-US" sz="2000" dirty="0" smtClean="0"/>
+              <a:t> to their collection</a:t>
+            </a:r>
+          </a:p>
+          <a:p>
+            <a:r>
+              <a:rPr lang="en-US" sz="2000" dirty="0" smtClean="0"/>
+              <a:t>Wide variety of queries that can be performed on the database</a:t>
+            </a:r>
+            <a:endParaRPr lang="en-US" sz="2000" dirty="0"/>
           </a:p>
         </p:txBody>
       </p:sp>
@@ -3593,8 +3632,8 @@
         </p:blipFill>
         <p:spPr bwMode="auto">
           <a:xfrm>
-            <a:off x="615828" y="4711700"/>
-            <a:ext cx="3819903" cy="2146300"/>
+            <a:off x="6513506" y="2095305"/>
+            <a:ext cx="4840294" cy="2719630"/>
           </a:xfrm>
           <a:prstGeom prst="rect">
             <a:avLst/>
@@ -3609,85 +3648,6 @@
               </a14:hiddenFill>
             </a:ext>
           </a:extLst>
-        </p:spPr>
-      </p:pic>
-      <p:pic>
-        <p:nvPicPr>
-          <p:cNvPr id="2052" name="Picture 4" descr="Limited Edition Pokemon Plush - 8&quot; Pikachu with Flower - Walmart.com">
-            <a:extLst>
-              <a:ext uri="{FF2B5EF4-FFF2-40B4-BE49-F238E27FC236}">
-                <a16:creationId xmlns:a16="http://schemas.microsoft.com/office/drawing/2014/main" id="{96103F7C-B1AC-46CC-BEE5-F7B95B8DDC5C}"/>
-              </a:ext>
-            </a:extLst>
-          </p:cNvPr>
-          <p:cNvPicPr>
-            <a:picLocks noChangeAspect="1" noChangeArrowheads="1"/>
-          </p:cNvPicPr>
-          <p:nvPr/>
-        </p:nvPicPr>
-        <p:blipFill>
-          <a:blip r:embed="rId3">
-            <a:extLst>
-              <a:ext uri="{28A0092B-C50C-407E-A947-70E740481C1C}">
-                <a14:useLocalDpi xmlns:a14="http://schemas.microsoft.com/office/drawing/2010/main" val="0"/>
-              </a:ext>
-            </a:extLst>
-          </a:blip>
-          <a:srcRect/>
-          <a:stretch>
-            <a:fillRect/>
-          </a:stretch>
-        </p:blipFill>
-        <p:spPr bwMode="auto">
-          <a:xfrm>
-            <a:off x="9456493" y="4472842"/>
-            <a:ext cx="2143125" cy="2143125"/>
-          </a:xfrm>
-          <a:prstGeom prst="rect">
-            <a:avLst/>
-          </a:prstGeom>
-          <a:noFill/>
-          <a:extLst>
-            <a:ext uri="{909E8E84-426E-40DD-AFC4-6F175D3DCCD1}">
-              <a14:hiddenFill xmlns:a14="http://schemas.microsoft.com/office/drawing/2010/main">
-                <a:solidFill>
-                  <a:srgbClr val="FFFFFF"/>
-                </a:solidFill>
-              </a14:hiddenFill>
-            </a:ext>
-          </a:extLst>
-        </p:spPr>
-      </p:pic>
-      <p:pic>
-        <p:nvPicPr>
-          <p:cNvPr id="4" name="Picture 3">
-            <a:extLst>
-              <a:ext uri="{FF2B5EF4-FFF2-40B4-BE49-F238E27FC236}">
-                <a16:creationId xmlns:a16="http://schemas.microsoft.com/office/drawing/2014/main" id="{5F41C171-FE7E-442F-8524-45A615CB0E33}"/>
-              </a:ext>
-            </a:extLst>
-          </p:cNvPr>
-          <p:cNvPicPr>
-            <a:picLocks noChangeAspect="1"/>
-          </p:cNvPicPr>
-          <p:nvPr/>
-        </p:nvPicPr>
-        <p:blipFill>
-          <a:blip r:embed="rId4">
-            <a:alphaModFix/>
-          </a:blip>
-          <a:stretch>
-            <a:fillRect/>
-          </a:stretch>
-        </p:blipFill>
-        <p:spPr>
-          <a:xfrm>
-            <a:off x="5257699" y="4611922"/>
-            <a:ext cx="2998405" cy="2246078"/>
-          </a:xfrm>
-          <a:prstGeom prst="rect">
-            <a:avLst/>
-          </a:prstGeom>
         </p:spPr>
       </p:pic>
     </p:spTree>
@@ -3722,234 +3682,6 @@
       </p:grpSpPr>
       <p:pic>
         <p:nvPicPr>
-          <p:cNvPr id="4100" name="Picture 4" descr="Original Pokemon Wallpapers - Top Free Original Pokemon ...">
-            <a:extLst>
-              <a:ext uri="{FF2B5EF4-FFF2-40B4-BE49-F238E27FC236}">
-                <a16:creationId xmlns:a16="http://schemas.microsoft.com/office/drawing/2014/main" id="{7C4A3A93-E989-450F-BDE6-BDD3F5AB1BA9}"/>
-              </a:ext>
-            </a:extLst>
-          </p:cNvPr>
-          <p:cNvPicPr>
-            <a:picLocks noChangeAspect="1" noChangeArrowheads="1"/>
-          </p:cNvPicPr>
-          <p:nvPr/>
-        </p:nvPicPr>
-        <p:blipFill>
-          <a:blip r:embed="rId2">
-            <a:alphaModFix amt="70000"/>
-            <a:extLst>
-              <a:ext uri="{28A0092B-C50C-407E-A947-70E740481C1C}">
-                <a14:useLocalDpi xmlns:a14="http://schemas.microsoft.com/office/drawing/2010/main" val="0"/>
-              </a:ext>
-            </a:extLst>
-          </a:blip>
-          <a:srcRect/>
-          <a:stretch>
-            <a:fillRect/>
-          </a:stretch>
-        </p:blipFill>
-        <p:spPr bwMode="auto">
-          <a:xfrm>
-            <a:off x="0" y="1969477"/>
-            <a:ext cx="12186882" cy="4888523"/>
-          </a:xfrm>
-          <a:prstGeom prst="rect">
-            <a:avLst/>
-          </a:prstGeom>
-          <a:noFill/>
-          <a:extLst>
-            <a:ext uri="{909E8E84-426E-40DD-AFC4-6F175D3DCCD1}">
-              <a14:hiddenFill xmlns:a14="http://schemas.microsoft.com/office/drawing/2010/main">
-                <a:solidFill>
-                  <a:srgbClr val="FFFFFF"/>
-                </a:solidFill>
-              </a14:hiddenFill>
-            </a:ext>
-          </a:extLst>
-        </p:spPr>
-      </p:pic>
-      <p:sp>
-        <p:nvSpPr>
-          <p:cNvPr id="2" name="Title 1">
-            <a:extLst>
-              <a:ext uri="{FF2B5EF4-FFF2-40B4-BE49-F238E27FC236}">
-                <a16:creationId xmlns:a16="http://schemas.microsoft.com/office/drawing/2014/main" id="{2828D5D2-FB40-4D6E-9E6B-D7B9ED73773A}"/>
-              </a:ext>
-            </a:extLst>
-          </p:cNvPr>
-          <p:cNvSpPr>
-            <a:spLocks noGrp="1"/>
-          </p:cNvSpPr>
-          <p:nvPr>
-            <p:ph type="title"/>
-          </p:nvPr>
-        </p:nvSpPr>
-        <p:spPr>
-          <a:xfrm>
-            <a:off x="839788" y="457200"/>
-            <a:ext cx="3932237" cy="531812"/>
-          </a:xfrm>
-        </p:spPr>
-        <p:txBody>
-          <a:bodyPr/>
-          <a:lstStyle/>
-          <a:p>
-            <a:r>
-              <a:rPr lang="en-US" dirty="0"/>
-              <a:t>What we started doing</a:t>
-            </a:r>
-          </a:p>
-        </p:txBody>
-      </p:sp>
-      <p:sp>
-        <p:nvSpPr>
-          <p:cNvPr id="4" name="Text Placeholder 3">
-            <a:extLst>
-              <a:ext uri="{FF2B5EF4-FFF2-40B4-BE49-F238E27FC236}">
-                <a16:creationId xmlns:a16="http://schemas.microsoft.com/office/drawing/2014/main" id="{FFFF2B41-41C3-480B-8513-C946BC3ABD1D}"/>
-              </a:ext>
-            </a:extLst>
-          </p:cNvPr>
-          <p:cNvSpPr>
-            <a:spLocks noGrp="1"/>
-          </p:cNvSpPr>
-          <p:nvPr>
-            <p:ph type="body" sz="half" idx="2"/>
-          </p:nvPr>
-        </p:nvSpPr>
-        <p:spPr>
-          <a:xfrm>
-            <a:off x="839787" y="1044142"/>
-            <a:ext cx="6545751" cy="1345319"/>
-          </a:xfrm>
-        </p:spPr>
-        <p:txBody>
-          <a:bodyPr>
-            <a:normAutofit/>
-          </a:bodyPr>
-          <a:lstStyle/>
-          <a:p>
-            <a:pPr marL="285750" indent="-285750">
-              <a:buFont typeface="Arial" panose="020B0604020202020204" pitchFamily="34" charset="0"/>
-              <a:buChar char="•"/>
-            </a:pPr>
-            <a:r>
-              <a:rPr lang="en-US" sz="2000" dirty="0"/>
-              <a:t>We chose to initially create a pokedex, but when we looked at it, we had the thought of, ‘nah, we can do better’. So we added and created a user profile, a login, the user’s collection of Pokémon as well as a pokedex.</a:t>
-            </a:r>
-          </a:p>
-          <a:p>
-            <a:endParaRPr lang="en-US" dirty="0"/>
-          </a:p>
-        </p:txBody>
-      </p:sp>
-    </p:spTree>
-    <p:extLst>
-      <p:ext uri="{BB962C8B-B14F-4D97-AF65-F5344CB8AC3E}">
-        <p14:creationId xmlns:p14="http://schemas.microsoft.com/office/powerpoint/2010/main" val="3834485654"/>
-      </p:ext>
-    </p:extLst>
-  </p:cSld>
-  <p:clrMapOvr>
-    <a:masterClrMapping/>
-  </p:clrMapOvr>
-</p:sld>
-</file>
-
-<file path=ppt/slides/slide4.xml><?xml version="1.0" encoding="utf-8"?>
-<p:sld xmlns:a="http://schemas.openxmlformats.org/drawingml/2006/main" xmlns:r="http://schemas.openxmlformats.org/officeDocument/2006/relationships" xmlns:p="http://schemas.openxmlformats.org/presentationml/2006/main">
-  <p:cSld>
-    <p:spTree>
-      <p:nvGrpSpPr>
-        <p:cNvPr id="1" name=""/>
-        <p:cNvGrpSpPr/>
-        <p:nvPr/>
-      </p:nvGrpSpPr>
-      <p:grpSpPr>
-        <a:xfrm>
-          <a:off x="0" y="0"/>
-          <a:ext cx="0" cy="0"/>
-          <a:chOff x="0" y="0"/>
-          <a:chExt cx="0" cy="0"/>
-        </a:xfrm>
-      </p:grpSpPr>
-      <p:sp>
-        <p:nvSpPr>
-          <p:cNvPr id="2" name="Title 1">
-            <a:extLst>
-              <a:ext uri="{FF2B5EF4-FFF2-40B4-BE49-F238E27FC236}">
-                <a16:creationId xmlns:a16="http://schemas.microsoft.com/office/drawing/2014/main" id="{303E9A44-8C8B-4DCA-822D-74E9120A1296}"/>
-              </a:ext>
-            </a:extLst>
-          </p:cNvPr>
-          <p:cNvSpPr>
-            <a:spLocks noGrp="1"/>
-          </p:cNvSpPr>
-          <p:nvPr>
-            <p:ph type="title"/>
-          </p:nvPr>
-        </p:nvSpPr>
-        <p:spPr/>
-        <p:txBody>
-          <a:bodyPr/>
-          <a:lstStyle/>
-          <a:p>
-            <a:endParaRPr lang="en-US"/>
-          </a:p>
-        </p:txBody>
-      </p:sp>
-      <p:sp>
-        <p:nvSpPr>
-          <p:cNvPr id="3" name="Content Placeholder 2">
-            <a:extLst>
-              <a:ext uri="{FF2B5EF4-FFF2-40B4-BE49-F238E27FC236}">
-                <a16:creationId xmlns:a16="http://schemas.microsoft.com/office/drawing/2014/main" id="{301326AE-C28B-4DE8-BF46-5D9DB69D8608}"/>
-              </a:ext>
-            </a:extLst>
-          </p:cNvPr>
-          <p:cNvSpPr>
-            <a:spLocks noGrp="1"/>
-          </p:cNvSpPr>
-          <p:nvPr>
-            <p:ph idx="1"/>
-          </p:nvPr>
-        </p:nvSpPr>
-        <p:spPr/>
-        <p:txBody>
-          <a:bodyPr/>
-          <a:lstStyle/>
-          <a:p>
-            <a:endParaRPr lang="en-US"/>
-          </a:p>
-        </p:txBody>
-      </p:sp>
-      <p:sp>
-        <p:nvSpPr>
-          <p:cNvPr id="4" name="Text Placeholder 3">
-            <a:extLst>
-              <a:ext uri="{FF2B5EF4-FFF2-40B4-BE49-F238E27FC236}">
-                <a16:creationId xmlns:a16="http://schemas.microsoft.com/office/drawing/2014/main" id="{1C7E1BB3-8D9F-44A2-BE99-01C7F7E7C76F}"/>
-              </a:ext>
-            </a:extLst>
-          </p:cNvPr>
-          <p:cNvSpPr>
-            <a:spLocks noGrp="1"/>
-          </p:cNvSpPr>
-          <p:nvPr>
-            <p:ph type="body" sz="half" idx="2"/>
-          </p:nvPr>
-        </p:nvSpPr>
-        <p:spPr/>
-        <p:txBody>
-          <a:bodyPr/>
-          <a:lstStyle/>
-          <a:p>
-            <a:endParaRPr lang="en-US"/>
-          </a:p>
-        </p:txBody>
-      </p:sp>
-      <p:pic>
-        <p:nvPicPr>
           <p:cNvPr id="5" name="Picture 4">
             <a:extLst>
               <a:ext uri="{FF2B5EF4-FFF2-40B4-BE49-F238E27FC236}">
@@ -3970,14 +3702,48 @@
         </p:blipFill>
         <p:spPr>
           <a:xfrm>
-            <a:off x="836612" y="231431"/>
-            <a:ext cx="10417380" cy="6333491"/>
+            <a:off x="1925580" y="1257300"/>
+            <a:ext cx="8598333" cy="5227559"/>
           </a:xfrm>
           <a:prstGeom prst="rect">
             <a:avLst/>
           </a:prstGeom>
         </p:spPr>
       </p:pic>
+      <p:sp>
+        <p:nvSpPr>
+          <p:cNvPr id="6" name="Title 1"/>
+          <p:cNvSpPr>
+            <a:spLocks noGrp="1"/>
+          </p:cNvSpPr>
+          <p:nvPr>
+            <p:ph type="title"/>
+          </p:nvPr>
+        </p:nvSpPr>
+        <p:spPr>
+          <a:xfrm>
+            <a:off x="3426099" y="457200"/>
+            <a:ext cx="5597293" cy="800100"/>
+          </a:xfrm>
+        </p:spPr>
+        <p:txBody>
+          <a:bodyPr>
+            <a:normAutofit/>
+          </a:bodyPr>
+          <a:lstStyle/>
+          <a:p>
+            <a:r>
+              <a:rPr lang="en-US" dirty="0" err="1" smtClean="0"/>
+              <a:t>Pokemon</a:t>
+            </a:r>
+            <a:r>
+              <a:rPr lang="en-US" dirty="0" smtClean="0"/>
+              <a:t> Database: ER Diagram</a:t>
+            </a:r>
+            <a:endParaRPr lang="en-US" dirty="0"/>
+          </a:p>
+        </p:txBody>
+      </p:sp>
     </p:spTree>
     <p:extLst>
       <p:ext uri="{BB962C8B-B14F-4D97-AF65-F5344CB8AC3E}">
@@ -3991,7 +3757,7 @@
 </p:sld>
 </file>
 
-<file path=ppt/slides/slide5.xml><?xml version="1.0" encoding="utf-8"?>
+<file path=ppt/slides/slide4.xml><?xml version="1.0" encoding="utf-8"?>
 <p:sld xmlns:a="http://schemas.openxmlformats.org/drawingml/2006/main" xmlns:r="http://schemas.openxmlformats.org/officeDocument/2006/relationships" xmlns:p="http://schemas.openxmlformats.org/presentationml/2006/main">
   <p:cSld>
     <p:spTree>
@@ -4227,6 +3993,183 @@
 </p:sld>
 </file>
 
+<file path=ppt/slides/slide5.xml><?xml version="1.0" encoding="utf-8"?>
+<p:sld xmlns:a="http://schemas.openxmlformats.org/drawingml/2006/main" xmlns:r="http://schemas.openxmlformats.org/officeDocument/2006/relationships" xmlns:p="http://schemas.openxmlformats.org/presentationml/2006/main">
+  <p:cSld>
+    <p:spTree>
+      <p:nvGrpSpPr>
+        <p:cNvPr id="1" name=""/>
+        <p:cNvGrpSpPr/>
+        <p:nvPr/>
+      </p:nvGrpSpPr>
+      <p:grpSpPr>
+        <a:xfrm>
+          <a:off x="0" y="0"/>
+          <a:ext cx="0" cy="0"/>
+          <a:chOff x="0" y="0"/>
+          <a:chExt cx="0" cy="0"/>
+        </a:xfrm>
+      </p:grpSpPr>
+      <p:sp>
+        <p:nvSpPr>
+          <p:cNvPr id="2" name="Title 1">
+            <a:extLst>
+              <a:ext uri="{FF2B5EF4-FFF2-40B4-BE49-F238E27FC236}">
+                <a16:creationId xmlns:a16="http://schemas.microsoft.com/office/drawing/2014/main" id="{1513E68C-D98A-442D-AA5E-4D6F636AB4FC}"/>
+              </a:ext>
+            </a:extLst>
+          </p:cNvPr>
+          <p:cNvSpPr>
+            <a:spLocks noGrp="1"/>
+          </p:cNvSpPr>
+          <p:nvPr>
+            <p:ph type="ctrTitle"/>
+          </p:nvPr>
+        </p:nvSpPr>
+        <p:spPr>
+          <a:xfrm>
+            <a:off x="1633728" y="406400"/>
+            <a:ext cx="9144000" cy="1081024"/>
+          </a:xfrm>
+        </p:spPr>
+        <p:txBody>
+          <a:bodyPr/>
+          <a:lstStyle/>
+          <a:p>
+            <a:pPr algn="l"/>
+            <a:r>
+              <a:rPr lang="en-US"/>
+              <a:t>Issues and Setbacks</a:t>
+            </a:r>
+            <a:endParaRPr lang="en-US" dirty="0"/>
+          </a:p>
+        </p:txBody>
+      </p:sp>
+      <p:sp>
+        <p:nvSpPr>
+          <p:cNvPr id="3" name="Subtitle 2">
+            <a:extLst>
+              <a:ext uri="{FF2B5EF4-FFF2-40B4-BE49-F238E27FC236}">
+                <a16:creationId xmlns:a16="http://schemas.microsoft.com/office/drawing/2014/main" id="{97BAFA8F-9D6A-449C-96DE-10247301E76B}"/>
+              </a:ext>
+            </a:extLst>
+          </p:cNvPr>
+          <p:cNvSpPr>
+            <a:spLocks noGrp="1"/>
+          </p:cNvSpPr>
+          <p:nvPr>
+            <p:ph type="subTitle" idx="1"/>
+          </p:nvPr>
+        </p:nvSpPr>
+        <p:spPr>
+          <a:xfrm>
+            <a:off x="1402080" y="1614742"/>
+            <a:ext cx="9144000" cy="1655762"/>
+          </a:xfrm>
+        </p:spPr>
+        <p:txBody>
+          <a:bodyPr/>
+          <a:lstStyle/>
+          <a:p>
+            <a:pPr marL="342900" indent="-342900" algn="l">
+              <a:buFont typeface="Arial" panose="020B0604020202020204" pitchFamily="34" charset="0"/>
+              <a:buChar char="•"/>
+            </a:pPr>
+            <a:r>
+              <a:rPr lang="en-US"/>
+              <a:t>Using an ASP.Net framework with C#</a:t>
+            </a:r>
+          </a:p>
+          <a:p>
+            <a:pPr marL="800100" lvl="1" indent="-342900" algn="l">
+              <a:buFont typeface="Arial" panose="020B0604020202020204" pitchFamily="34" charset="0"/>
+              <a:buChar char="•"/>
+            </a:pPr>
+            <a:r>
+              <a:rPr lang="en-US"/>
+              <a:t>Solution – used Python with a Flask extension </a:t>
+            </a:r>
+          </a:p>
+          <a:p>
+            <a:pPr marL="342900" indent="-342900" algn="l">
+              <a:buFont typeface="Arial" panose="020B0604020202020204" pitchFamily="34" charset="0"/>
+              <a:buChar char="•"/>
+            </a:pPr>
+            <a:r>
+              <a:rPr lang="en-US"/>
+              <a:t>Setting up the environment to work in </a:t>
+            </a:r>
+          </a:p>
+          <a:p>
+            <a:pPr marL="800100" lvl="1" indent="-342900" algn="l">
+              <a:buFont typeface="Arial" panose="020B0604020202020204" pitchFamily="34" charset="0"/>
+              <a:buChar char="•"/>
+            </a:pPr>
+            <a:endParaRPr lang="en-US" dirty="0"/>
+          </a:p>
+        </p:txBody>
+      </p:sp>
+      <p:pic>
+        <p:nvPicPr>
+          <p:cNvPr id="4" name="Picture 4" descr="Original Pokemon Wallpapers - Top Free Original Pokemon ...">
+            <a:extLst>
+              <a:ext uri="{FF2B5EF4-FFF2-40B4-BE49-F238E27FC236}">
+                <a16:creationId xmlns:a16="http://schemas.microsoft.com/office/drawing/2014/main" id="{D1B0B740-E90D-4E29-9138-9619BB546132}"/>
+              </a:ext>
+            </a:extLst>
+          </p:cNvPr>
+          <p:cNvPicPr>
+            <a:picLocks noChangeAspect="1" noChangeArrowheads="1"/>
+          </p:cNvPicPr>
+          <p:nvPr/>
+        </p:nvPicPr>
+        <p:blipFill>
+          <a:blip r:embed="rId2">
+            <a:alphaModFix amt="70000"/>
+            <a:extLst>
+              <a:ext uri="{28A0092B-C50C-407E-A947-70E740481C1C}">
+                <a14:useLocalDpi xmlns:a14="http://schemas.microsoft.com/office/drawing/2010/main" val="0"/>
+              </a:ext>
+            </a:extLst>
+          </a:blip>
+          <a:srcRect/>
+          <a:stretch>
+            <a:fillRect/>
+          </a:stretch>
+        </p:blipFill>
+        <p:spPr bwMode="auto">
+          <a:xfrm>
+            <a:off x="504990" y="2732407"/>
+            <a:ext cx="10284930" cy="4125593"/>
+          </a:xfrm>
+          <a:prstGeom prst="rect">
+            <a:avLst/>
+          </a:prstGeom>
+          <a:noFill/>
+          <a:extLst>
+            <a:ext uri="{909E8E84-426E-40DD-AFC4-6F175D3DCCD1}">
+              <a14:hiddenFill xmlns:a14="http://schemas.microsoft.com/office/drawing/2010/main">
+                <a:solidFill>
+                  <a:srgbClr val="FFFFFF"/>
+                </a:solidFill>
+              </a14:hiddenFill>
+            </a:ext>
+          </a:extLst>
+        </p:spPr>
+      </p:pic>
+    </p:spTree>
+    <p:extLst>
+      <p:ext uri="{BB962C8B-B14F-4D97-AF65-F5344CB8AC3E}">
+        <p14:creationId xmlns:p14="http://schemas.microsoft.com/office/powerpoint/2010/main" val="2377631391"/>
+      </p:ext>
+    </p:extLst>
+  </p:cSld>
+  <p:clrMapOvr>
+    <a:masterClrMapping/>
+  </p:clrMapOvr>
+</p:sld>
+</file>
+
 <file path=ppt/slides/slide6.xml><?xml version="1.0" encoding="utf-8"?>
 <p:sld xmlns:a="http://schemas.openxmlformats.org/drawingml/2006/main" xmlns:r="http://schemas.openxmlformats.org/officeDocument/2006/relationships" xmlns:p="http://schemas.openxmlformats.org/presentationml/2006/main">
   <p:cSld>
@@ -4260,15 +4203,21 @@
             <p:ph type="title"/>
           </p:nvPr>
         </p:nvSpPr>
-        <p:spPr/>
-        <p:txBody>
-          <a:bodyPr/>
-          <a:lstStyle/>
-          <a:p>
-            <a:r>
-              <a:rPr lang="en-US" dirty="0"/>
-              <a:t>Issues and conclusions</a:t>
-            </a:r>
+        <p:spPr>
+          <a:xfrm>
+            <a:off x="838200" y="365125"/>
+            <a:ext cx="10515600" cy="1325563"/>
+          </a:xfrm>
+        </p:spPr>
+        <p:txBody>
+          <a:bodyPr/>
+          <a:lstStyle/>
+          <a:p>
+            <a:r>
+              <a:rPr lang="en-US"/>
+              <a:t>Conclusion</a:t>
+            </a:r>
+            <a:endParaRPr lang="en-US" dirty="0"/>
           </a:p>
         </p:txBody>
       </p:sp>
@@ -4288,23 +4237,21 @@
             <p:ph idx="1"/>
           </p:nvPr>
         </p:nvSpPr>
-        <p:spPr/>
-        <p:txBody>
-          <a:bodyPr/>
-          <a:lstStyle/>
-          <a:p>
-            <a:r>
-              <a:rPr lang="en-US" dirty="0"/>
-              <a:t>Due to the outbreak of </a:t>
-            </a:r>
-            <a:r>
-              <a:rPr lang="en-US" dirty="0" err="1"/>
-              <a:t>Covid</a:t>
-            </a:r>
-            <a:r>
-              <a:rPr lang="en-US" dirty="0"/>
-              <a:t>, there was some difficulty meeting due mostly to the fact that schedules changed a little and we could no longer meet in public. But with the use of discord and some talk, we got over that. We didn’t have to change much which was lucky.</a:t>
-            </a:r>
+        <p:spPr>
+          <a:xfrm>
+            <a:off x="838200" y="1825625"/>
+            <a:ext cx="10515600" cy="4351338"/>
+          </a:xfrm>
+        </p:spPr>
+        <p:txBody>
+          <a:bodyPr/>
+          <a:lstStyle/>
+          <a:p>
+            <a:r>
+              <a:rPr lang="en-US"/>
+              <a:t>Overall it was a great project and we had a lot of fun learning and building our own database. There are things we could have improved upon, especially the css, but we are happy with our result. </a:t>
+            </a:r>
+            <a:endParaRPr lang="en-US" dirty="0"/>
           </a:p>
         </p:txBody>
       </p:sp>
@@ -4330,59 +4277,12 @@
         </p:blipFill>
         <p:spPr>
           <a:xfrm>
-            <a:off x="8459028" y="3429000"/>
+            <a:off x="4008948" y="3027087"/>
             <a:ext cx="3149876" cy="3149876"/>
           </a:xfrm>
           <a:prstGeom prst="rect">
             <a:avLst/>
           </a:prstGeom>
-        </p:spPr>
-      </p:pic>
-      <p:pic>
-        <p:nvPicPr>
-          <p:cNvPr id="3074" name="Picture 2" descr="Pokémon GO on Twitter: &quot;Genesect, the Paleozoic Pokémon, will make ...">
-            <a:extLst>
-              <a:ext uri="{FF2B5EF4-FFF2-40B4-BE49-F238E27FC236}">
-                <a16:creationId xmlns:a16="http://schemas.microsoft.com/office/drawing/2014/main" id="{9D57E2EF-4B6C-486A-B47C-6FC7947041E2}"/>
-              </a:ext>
-            </a:extLst>
-          </p:cNvPr>
-          <p:cNvPicPr>
-            <a:picLocks noChangeAspect="1" noChangeArrowheads="1"/>
-          </p:cNvPicPr>
-          <p:nvPr/>
-        </p:nvPicPr>
-        <p:blipFill>
-          <a:blip r:embed="rId3">
-            <a:extLst>
-              <a:ext uri="{28A0092B-C50C-407E-A947-70E740481C1C}">
-                <a14:useLocalDpi xmlns:a14="http://schemas.microsoft.com/office/drawing/2010/main" val="0"/>
-              </a:ext>
-            </a:extLst>
-          </a:blip>
-          <a:srcRect/>
-          <a:stretch>
-            <a:fillRect/>
-          </a:stretch>
-        </p:blipFill>
-        <p:spPr bwMode="auto">
-          <a:xfrm>
-            <a:off x="373672" y="3429000"/>
-            <a:ext cx="2979127" cy="3344492"/>
-          </a:xfrm>
-          <a:prstGeom prst="rect">
-            <a:avLst/>
-          </a:prstGeom>
-          <a:noFill/>
-          <a:extLst>
-            <a:ext uri="{909E8E84-426E-40DD-AFC4-6F175D3DCCD1}">
-              <a14:hiddenFill xmlns:a14="http://schemas.microsoft.com/office/drawing/2010/main">
-                <a:solidFill>
-                  <a:srgbClr val="FFFFFF"/>
-                </a:solidFill>
-              </a14:hiddenFill>
-            </a:ext>
-          </a:extLst>
         </p:spPr>
       </p:pic>
     </p:spTree>
